--- a/Slides/Slides.pptx
+++ b/Slides/Slides.pptx
@@ -29,7 +29,7 @@
     <p:sldId id="603" r:id="rId20"/>
     <p:sldId id="598" r:id="rId21"/>
     <p:sldId id="599" r:id="rId22"/>
-    <p:sldId id="600" r:id="rId23"/>
+    <p:sldId id="607" r:id="rId23"/>
     <p:sldId id="605" r:id="rId24"/>
     <p:sldId id="579" r:id="rId25"/>
     <p:sldId id="547" r:id="rId26"/>
@@ -3003,7 +3003,7 @@
           <a:p>
             <a:fld id="{E5D1D04D-EF92-4C76-B83B-385606B7E2D4}" type="datetimeFigureOut">
               <a:rPr lang="it-IT" smtClean="0"/>
-              <a:t>19/02/2025</a:t>
+              <a:t>22/02/2025</a:t>
             </a:fld>
             <a:endParaRPr lang="it-IT"/>
           </a:p>
@@ -4706,7 +4706,7 @@
         <p:cNvPr id="1" name="">
           <a:extLst>
             <a:ext uri="{FF2B5EF4-FFF2-40B4-BE49-F238E27FC236}">
-              <a16:creationId xmlns:a16="http://schemas.microsoft.com/office/drawing/2014/main" id="{2B66B2DA-E352-9059-17C6-61815FB9D029}"/>
+              <a16:creationId xmlns:a16="http://schemas.microsoft.com/office/drawing/2014/main" id="{D2E4E936-526B-E920-6C4F-7F0A38A77DA9}"/>
             </a:ext>
           </a:extLst>
         </p:cNvPr>
@@ -4726,7 +4726,7 @@
           <p:cNvPr id="2" name="Segnaposto immagine diapositiva 1">
             <a:extLst>
               <a:ext uri="{FF2B5EF4-FFF2-40B4-BE49-F238E27FC236}">
-                <a16:creationId xmlns:a16="http://schemas.microsoft.com/office/drawing/2014/main" id="{C56DB5CC-D474-B36E-1337-71EE412D0313}"/>
+                <a16:creationId xmlns:a16="http://schemas.microsoft.com/office/drawing/2014/main" id="{8EF2AD9C-8680-CFE5-2B55-77D0DD19768E}"/>
               </a:ext>
             </a:extLst>
           </p:cNvPr>
@@ -4744,7 +4744,7 @@
           <p:cNvPr id="3" name="Segnaposto note 2">
             <a:extLst>
               <a:ext uri="{FF2B5EF4-FFF2-40B4-BE49-F238E27FC236}">
-                <a16:creationId xmlns:a16="http://schemas.microsoft.com/office/drawing/2014/main" id="{BDF063A6-3DE3-C0D8-31FB-2FB4AA5264F6}"/>
+                <a16:creationId xmlns:a16="http://schemas.microsoft.com/office/drawing/2014/main" id="{E1E0B1EF-79B0-C90E-35B5-59C33060DF7F}"/>
               </a:ext>
             </a:extLst>
           </p:cNvPr>
@@ -4780,7 +4780,7 @@
           <p:cNvPr id="4" name="Segnaposto numero diapositiva 3">
             <a:extLst>
               <a:ext uri="{FF2B5EF4-FFF2-40B4-BE49-F238E27FC236}">
-                <a16:creationId xmlns:a16="http://schemas.microsoft.com/office/drawing/2014/main" id="{8682A547-E3DB-1493-E56C-22AF559B2A02}"/>
+                <a16:creationId xmlns:a16="http://schemas.microsoft.com/office/drawing/2014/main" id="{71E46D82-592C-79CD-6177-2171B2252675}"/>
               </a:ext>
             </a:extLst>
           </p:cNvPr>
@@ -4807,7 +4807,7 @@
     </p:spTree>
     <p:extLst>
       <p:ext uri="{BB962C8B-B14F-4D97-AF65-F5344CB8AC3E}">
-        <p14:creationId xmlns:p14="http://schemas.microsoft.com/office/powerpoint/2010/main" val="1919527146"/>
+        <p14:creationId xmlns:p14="http://schemas.microsoft.com/office/powerpoint/2010/main" val="2804872113"/>
       </p:ext>
     </p:extLst>
   </p:cSld>
@@ -6013,7 +6013,7 @@
           <a:p>
             <a:fld id="{500455EF-361E-4070-8C1A-88C48059B2BF}" type="datetimeFigureOut">
               <a:rPr lang="it-IT" smtClean="0"/>
-              <a:t>19/02/2025</a:t>
+              <a:t>22/02/2025</a:t>
             </a:fld>
             <a:endParaRPr lang="it-IT"/>
           </a:p>
@@ -6211,7 +6211,7 @@
           <a:p>
             <a:fld id="{500455EF-361E-4070-8C1A-88C48059B2BF}" type="datetimeFigureOut">
               <a:rPr lang="it-IT" smtClean="0"/>
-              <a:t>19/02/2025</a:t>
+              <a:t>22/02/2025</a:t>
             </a:fld>
             <a:endParaRPr lang="it-IT"/>
           </a:p>
@@ -7680,7 +7680,23 @@
                     <a:schemeClr val="bg1"/>
                   </a:solidFill>
                 </a:rPr>
-                <a:t>Java Server Pages (JSP) on Apache Tomcat.</a:t>
+                <a:t>Java Server Pages (JSP) on Apache </a:t>
+              </a:r>
+              <a:r>
+                <a:rPr lang="en-US" dirty="0">
+                  <a:solidFill>
+                    <a:srgbClr val="F2E8CF"/>
+                  </a:solidFill>
+                </a:rPr>
+                <a:t>Tomcat</a:t>
+              </a:r>
+              <a:r>
+                <a:rPr lang="en-US" dirty="0">
+                  <a:solidFill>
+                    <a:schemeClr val="bg1"/>
+                  </a:solidFill>
+                </a:rPr>
+                <a:t>.</a:t>
               </a:r>
             </a:p>
             <a:p>
@@ -7736,7 +7752,23 @@
                     <a:schemeClr val="bg1"/>
                   </a:solidFill>
                 </a:rPr>
-                <a:t>Uses servlets to send HTTP requests to the Backend REST APIs.</a:t>
+                <a:t>Uses servlets to send </a:t>
+              </a:r>
+              <a:r>
+                <a:rPr lang="en-US" dirty="0">
+                  <a:solidFill>
+                    <a:srgbClr val="F2E8CF"/>
+                  </a:solidFill>
+                </a:rPr>
+                <a:t>HTTP requests </a:t>
+              </a:r>
+              <a:r>
+                <a:rPr lang="en-US" dirty="0">
+                  <a:solidFill>
+                    <a:schemeClr val="bg1"/>
+                  </a:solidFill>
+                </a:rPr>
+                <a:t>to the Backend REST APIs.</a:t>
               </a:r>
             </a:p>
             <a:p>
@@ -8032,10 +8064,18 @@
             <a:r>
               <a:rPr lang="en-US" dirty="0">
                 <a:solidFill>
+                  <a:srgbClr val="F2E8CF"/>
+                </a:solidFill>
+              </a:rPr>
+              <a:t>Spring Boot </a:t>
+            </a:r>
+            <a:r>
+              <a:rPr lang="en-US" dirty="0">
+                <a:solidFill>
                   <a:schemeClr val="bg1"/>
                 </a:solidFill>
               </a:rPr>
-              <a:t>Spring Boot (REST API).</a:t>
+              <a:t>(REST APIs).</a:t>
             </a:r>
           </a:p>
           <a:p>
@@ -8115,7 +8155,23 @@
                   <a:schemeClr val="bg1"/>
                 </a:solidFill>
               </a:rPr>
-              <a:t>Distributes tasks in a circular manner to Event Server Nodes.  </a:t>
+              <a:t>Distributes tasks in a </a:t>
+            </a:r>
+            <a:r>
+              <a:rPr lang="en-US" dirty="0">
+                <a:solidFill>
+                  <a:srgbClr val="F2E8CF"/>
+                </a:solidFill>
+              </a:rPr>
+              <a:t>circular manner </a:t>
+            </a:r>
+            <a:r>
+              <a:rPr lang="en-US" dirty="0">
+                <a:solidFill>
+                  <a:schemeClr val="bg1"/>
+                </a:solidFill>
+              </a:rPr>
+              <a:t>to Event Server Nodes.  </a:t>
             </a:r>
           </a:p>
           <a:p>
@@ -8137,7 +8193,7 @@
             <a:r>
               <a:rPr lang="en-US" dirty="0" err="1">
                 <a:solidFill>
-                  <a:schemeClr val="bg1"/>
+                  <a:srgbClr val="F2E8CF"/>
                 </a:solidFill>
               </a:rPr>
               <a:t>JInterface</a:t>
@@ -8757,10 +8813,18 @@
             <a:r>
               <a:rPr lang="en-US" dirty="0">
                 <a:solidFill>
+                  <a:srgbClr val="F2E8CF"/>
+                </a:solidFill>
+              </a:rPr>
+              <a:t>Intermediary</a:t>
+            </a:r>
+            <a:r>
+              <a:rPr lang="en-US" dirty="0">
+                <a:solidFill>
                   <a:schemeClr val="bg1"/>
                 </a:solidFill>
               </a:rPr>
-              <a:t>Intermediary between Java Backend and distributed Event Server Nodes.</a:t>
+              <a:t> between Java Backend and distributed Event Server Nodes.</a:t>
             </a:r>
           </a:p>
           <a:p>
@@ -9518,10 +9582,18 @@
             <a:r>
               <a:rPr lang="en-US" dirty="0">
                 <a:solidFill>
+                  <a:srgbClr val="F2E8CF"/>
+                </a:solidFill>
+              </a:rPr>
+              <a:t>MySQL</a:t>
+            </a:r>
+            <a:r>
+              <a:rPr lang="en-US" dirty="0">
+                <a:solidFill>
                   <a:schemeClr val="bg1"/>
                 </a:solidFill>
               </a:rPr>
-              <a:t>MySQL.</a:t>
+              <a:t> Database.</a:t>
             </a:r>
           </a:p>
           <a:p>
@@ -9673,7 +9745,23 @@
                   <a:schemeClr val="bg1"/>
                 </a:solidFill>
               </a:rPr>
-              <a:t>Ensures data integrity &amp; supports recovery processes.</a:t>
+              <a:t>Ensures data integrity &amp; supports </a:t>
+            </a:r>
+            <a:r>
+              <a:rPr lang="en-US" dirty="0">
+                <a:solidFill>
+                  <a:srgbClr val="F2E8CF"/>
+                </a:solidFill>
+              </a:rPr>
+              <a:t>recovery</a:t>
+            </a:r>
+            <a:r>
+              <a:rPr lang="en-US" dirty="0">
+                <a:solidFill>
+                  <a:schemeClr val="bg1"/>
+                </a:solidFill>
+              </a:rPr>
+              <a:t> processes.</a:t>
             </a:r>
           </a:p>
         </p:txBody>
@@ -10002,7 +10090,7 @@
                   <a:schemeClr val="bg1"/>
                 </a:solidFill>
               </a:rPr>
-              <a:t>)</a:t>
+              <a:t>).</a:t>
             </a:r>
           </a:p>
           <a:p>
@@ -10120,12 +10208,22 @@
               <a:buChar char="•"/>
             </a:pPr>
             <a:r>
+              <a:rPr lang="en-US" dirty="0">
+                <a:solidFill>
+                  <a:srgbClr val="F2E8CF"/>
+                </a:solidFill>
+                <a:latin typeface="Cascadia Mono Light" panose="020B0609020000020004" pitchFamily="49" charset="0"/>
+                <a:cs typeface="Cascadia Mono Light" panose="020B0609020000020004" pitchFamily="49" charset="0"/>
+              </a:rPr>
+              <a:t>storage</a:t>
+            </a:r>
+            <a:r>
               <a:rPr lang="en-US" b="1" dirty="0">
                 <a:solidFill>
                   <a:schemeClr val="bg1"/>
                 </a:solidFill>
               </a:rPr>
-              <a:t>Storage Module:</a:t>
+              <a:t> Module:</a:t>
             </a:r>
           </a:p>
           <a:p>
@@ -10224,12 +10322,22 @@
               <a:buChar char="•"/>
             </a:pPr>
             <a:r>
+              <a:rPr lang="en-US" dirty="0">
+                <a:solidFill>
+                  <a:srgbClr val="F2E8CF"/>
+                </a:solidFill>
+                <a:latin typeface="Cascadia Mono Light" panose="020B0609020000020004" pitchFamily="49" charset="0"/>
+                <a:cs typeface="Cascadia Mono Light" panose="020B0609020000020004" pitchFamily="49" charset="0"/>
+              </a:rPr>
+              <a:t>base</a:t>
+            </a:r>
+            <a:r>
               <a:rPr lang="en-US" b="1" dirty="0">
                 <a:solidFill>
                   <a:schemeClr val="bg1"/>
                 </a:solidFill>
               </a:rPr>
-              <a:t>Base Module:</a:t>
+              <a:t> Module:</a:t>
             </a:r>
           </a:p>
           <a:p>
@@ -10258,12 +10366,22 @@
               <a:buChar char="•"/>
             </a:pPr>
             <a:r>
+              <a:rPr lang="en-US" dirty="0">
+                <a:solidFill>
+                  <a:srgbClr val="F2E8CF"/>
+                </a:solidFill>
+                <a:latin typeface="Cascadia Mono Light" panose="020B0609020000020004" pitchFamily="49" charset="0"/>
+                <a:cs typeface="Cascadia Mono Light" panose="020B0609020000020004" pitchFamily="49" charset="0"/>
+              </a:rPr>
+              <a:t>coordinator</a:t>
+            </a:r>
+            <a:r>
               <a:rPr lang="en-US" b="1" dirty="0">
                 <a:solidFill>
                   <a:schemeClr val="bg1"/>
                 </a:solidFill>
               </a:rPr>
-              <a:t>Coordinator Module:</a:t>
+              <a:t> Module:</a:t>
             </a:r>
           </a:p>
           <a:p>
@@ -10316,7 +10434,7 @@
                 <a:latin typeface="Cascadia Mono Light" panose="020B0609020000020004" pitchFamily="49" charset="0"/>
                 <a:cs typeface="Cascadia Mono Light" panose="020B0609020000020004" pitchFamily="49" charset="0"/>
               </a:rPr>
-              <a:t>Calculator</a:t>
+              <a:t>calculator</a:t>
             </a:r>
             <a:r>
               <a:rPr lang="en-US" dirty="0">
@@ -10343,7 +10461,7 @@
                 <a:latin typeface="Cascadia Mono Light" panose="020B0609020000020004" pitchFamily="49" charset="0"/>
                 <a:cs typeface="Cascadia Mono Light" panose="020B0609020000020004" pitchFamily="49" charset="0"/>
               </a:rPr>
-              <a:t>Config_Reader</a:t>
+              <a:t>config_reader</a:t>
             </a:r>
             <a:r>
               <a:rPr lang="en-US" dirty="0">
@@ -13901,7 +14019,25 @@
                   <a:schemeClr val="bg1"/>
                 </a:solidFill>
               </a:rPr>
-              <a:t> and Base Module connections to trigger recovery.</a:t>
+              <a:t> and </a:t>
+            </a:r>
+            <a:r>
+              <a:rPr lang="en-US" sz="1700" dirty="0">
+                <a:solidFill>
+                  <a:srgbClr val="F2E8CF"/>
+                </a:solidFill>
+                <a:latin typeface="Cascadia Mono Light" panose="020B0609020000020004" pitchFamily="49" charset="0"/>
+                <a:cs typeface="Cascadia Mono Light" panose="020B0609020000020004" pitchFamily="49" charset="0"/>
+              </a:rPr>
+              <a:t>base</a:t>
+            </a:r>
+            <a:r>
+              <a:rPr lang="en-US" sz="1700" dirty="0">
+                <a:solidFill>
+                  <a:schemeClr val="bg1"/>
+                </a:solidFill>
+              </a:rPr>
+              <a:t> Module connections to trigger recovery.</a:t>
             </a:r>
           </a:p>
         </p:txBody>
@@ -14540,7 +14676,7 @@
         </p:nvSpPr>
         <p:spPr>
           <a:xfrm>
-            <a:off x="6447380" y="4497264"/>
+            <a:off x="6447380" y="4389686"/>
             <a:ext cx="4908941" cy="323165"/>
           </a:xfrm>
           <a:prstGeom prst="rect">
@@ -14584,8 +14720,8 @@
         </p:nvSpPr>
         <p:spPr>
           <a:xfrm>
-            <a:off x="6447381" y="4884983"/>
-            <a:ext cx="4908941" cy="1133644"/>
+            <a:off x="6447381" y="4777405"/>
+            <a:ext cx="4908941" cy="1523494"/>
           </a:xfrm>
           <a:prstGeom prst="rect">
             <a:avLst/>
@@ -14678,6 +14814,31 @@
                 </a:solidFill>
               </a:rPr>
               <a:t>Erlang Backend ↔ Event Servers</a:t>
+            </a:r>
+            <a:r>
+              <a:rPr lang="en-US" sz="1700" dirty="0">
+                <a:solidFill>
+                  <a:schemeClr val="bg1"/>
+                </a:solidFill>
+              </a:rPr>
+              <a:t>: RPC calls </a:t>
+            </a:r>
+          </a:p>
+          <a:p>
+            <a:pPr marL="285750" indent="-285750" algn="just">
+              <a:spcAft>
+                <a:spcPts val="1000"/>
+              </a:spcAft>
+              <a:buFont typeface="Arial" panose="020B0604020202020204" pitchFamily="34" charset="0"/>
+              <a:buChar char="•"/>
+            </a:pPr>
+            <a:r>
+              <a:rPr lang="en-US" sz="1700" b="1" dirty="0">
+                <a:solidFill>
+                  <a:schemeClr val="bg1"/>
+                </a:solidFill>
+              </a:rPr>
+              <a:t>Event Server ↔ Event Server</a:t>
             </a:r>
             <a:r>
               <a:rPr lang="en-US" sz="1700" dirty="0">
@@ -17446,7 +17607,7 @@
         <p:cNvPr id="1" name="">
           <a:extLst>
             <a:ext uri="{FF2B5EF4-FFF2-40B4-BE49-F238E27FC236}">
-              <a16:creationId xmlns:a16="http://schemas.microsoft.com/office/drawing/2014/main" id="{E35873F9-00CF-7D07-1898-DF1BB0574F1E}"/>
+              <a16:creationId xmlns:a16="http://schemas.microsoft.com/office/drawing/2014/main" id="{60BABCA1-6836-F650-09F7-1ACCE663E928}"/>
             </a:ext>
           </a:extLst>
         </p:cNvPr>
@@ -17466,7 +17627,7 @@
           <p:cNvPr id="12" name="CasellaDiTesto 11">
             <a:extLst>
               <a:ext uri="{FF2B5EF4-FFF2-40B4-BE49-F238E27FC236}">
-                <a16:creationId xmlns:a16="http://schemas.microsoft.com/office/drawing/2014/main" id="{DA5816CC-1C27-B134-84C2-1AD66A526936}"/>
+                <a16:creationId xmlns:a16="http://schemas.microsoft.com/office/drawing/2014/main" id="{0F644A0A-4435-ABE0-463E-0B1EEAACA258}"/>
               </a:ext>
             </a:extLst>
           </p:cNvPr>
@@ -17506,7 +17667,7 @@
           <p:cNvPr id="8" name="CasellaDiTesto 7">
             <a:extLst>
               <a:ext uri="{FF2B5EF4-FFF2-40B4-BE49-F238E27FC236}">
-                <a16:creationId xmlns:a16="http://schemas.microsoft.com/office/drawing/2014/main" id="{6A09282F-247D-4933-B8CB-C43EA7677DE9}"/>
+                <a16:creationId xmlns:a16="http://schemas.microsoft.com/office/drawing/2014/main" id="{A2C6B570-AD18-745D-139B-EC5BA5D9ED30}"/>
               </a:ext>
             </a:extLst>
           </p:cNvPr>
@@ -17515,7 +17676,7 @@
         </p:nvSpPr>
         <p:spPr>
           <a:xfrm>
-            <a:off x="4358579" y="5229794"/>
+            <a:off x="4358579" y="5498737"/>
             <a:ext cx="3474842" cy="646331"/>
           </a:xfrm>
           <a:prstGeom prst="rect">
@@ -17545,371 +17706,12 @@
           </a:p>
         </p:txBody>
       </p:sp>
-      <p:grpSp>
-        <p:nvGrpSpPr>
-          <p:cNvPr id="19" name="Gruppo 18">
-            <a:extLst>
-              <a:ext uri="{FF2B5EF4-FFF2-40B4-BE49-F238E27FC236}">
-                <a16:creationId xmlns:a16="http://schemas.microsoft.com/office/drawing/2014/main" id="{B3008E45-393F-7144-71AF-C8A25CB3D0AB}"/>
-              </a:ext>
-            </a:extLst>
-          </p:cNvPr>
-          <p:cNvGrpSpPr/>
-          <p:nvPr/>
-        </p:nvGrpSpPr>
-        <p:grpSpPr>
-          <a:xfrm>
-            <a:off x="1166261" y="1529440"/>
-            <a:ext cx="9859479" cy="2395526"/>
-            <a:chOff x="1067161" y="1415140"/>
-            <a:chExt cx="9859479" cy="2395526"/>
-          </a:xfrm>
-        </p:grpSpPr>
-        <p:grpSp>
-          <p:nvGrpSpPr>
-            <p:cNvPr id="18" name="Gruppo 17">
-              <a:extLst>
-                <a:ext uri="{FF2B5EF4-FFF2-40B4-BE49-F238E27FC236}">
-                  <a16:creationId xmlns:a16="http://schemas.microsoft.com/office/drawing/2014/main" id="{4B79109A-B16F-423A-873A-20F23A47074F}"/>
-                </a:ext>
-              </a:extLst>
-            </p:cNvPr>
-            <p:cNvGrpSpPr/>
-            <p:nvPr/>
-          </p:nvGrpSpPr>
-          <p:grpSpPr>
-            <a:xfrm>
-              <a:off x="1067161" y="2137121"/>
-              <a:ext cx="3846001" cy="951565"/>
-              <a:chOff x="1067161" y="2062667"/>
-              <a:chExt cx="3846001" cy="951565"/>
-            </a:xfrm>
-          </p:grpSpPr>
-          <p:sp>
-            <p:nvSpPr>
-              <p:cNvPr id="5" name="CasellaDiTesto 4">
-                <a:extLst>
-                  <a:ext uri="{FF2B5EF4-FFF2-40B4-BE49-F238E27FC236}">
-                    <a16:creationId xmlns:a16="http://schemas.microsoft.com/office/drawing/2014/main" id="{F7845D51-B585-F30D-783A-DF76B85DAF3C}"/>
-                  </a:ext>
-                </a:extLst>
-              </p:cNvPr>
-              <p:cNvSpPr txBox="1"/>
-              <p:nvPr/>
-            </p:nvSpPr>
-            <p:spPr>
-              <a:xfrm>
-                <a:off x="1454706" y="2062667"/>
-                <a:ext cx="3070913" cy="338554"/>
-              </a:xfrm>
-              <a:prstGeom prst="rect">
-                <a:avLst/>
-              </a:prstGeom>
-              <a:noFill/>
-            </p:spPr>
-            <p:txBody>
-              <a:bodyPr wrap="square">
-                <a:spAutoFit/>
-              </a:bodyPr>
-              <a:lstStyle/>
-              <a:p>
-                <a:pPr algn="ctr"/>
-                <a:r>
-                  <a:rPr lang="en-US" sz="1600" b="1" spc="300" dirty="0">
-                    <a:solidFill>
-                      <a:schemeClr val="bg1"/>
-                    </a:solidFill>
-                  </a:rPr>
-                  <a:t>OTP SUPERVISION</a:t>
-                </a:r>
-                <a:endParaRPr lang="it-IT" sz="1600" spc="300" dirty="0">
-                  <a:solidFill>
-                    <a:schemeClr val="bg1"/>
-                  </a:solidFill>
-                </a:endParaRPr>
-              </a:p>
-            </p:txBody>
-          </p:sp>
-          <p:sp>
-            <p:nvSpPr>
-              <p:cNvPr id="6" name="CasellaDiTesto 5">
-                <a:extLst>
-                  <a:ext uri="{FF2B5EF4-FFF2-40B4-BE49-F238E27FC236}">
-                    <a16:creationId xmlns:a16="http://schemas.microsoft.com/office/drawing/2014/main" id="{29B267E7-B116-E6B3-9D37-72FBE767E99B}"/>
-                  </a:ext>
-                </a:extLst>
-              </p:cNvPr>
-              <p:cNvSpPr txBox="1"/>
-              <p:nvPr/>
-            </p:nvSpPr>
-            <p:spPr>
-              <a:xfrm>
-                <a:off x="1067161" y="2429457"/>
-                <a:ext cx="3846001" cy="584775"/>
-              </a:xfrm>
-              <a:prstGeom prst="rect">
-                <a:avLst/>
-              </a:prstGeom>
-              <a:noFill/>
-            </p:spPr>
-            <p:txBody>
-              <a:bodyPr wrap="square" rtlCol="0">
-                <a:spAutoFit/>
-              </a:bodyPr>
-              <a:lstStyle/>
-              <a:p>
-                <a:pPr algn="ctr">
-                  <a:spcAft>
-                    <a:spcPts val="500"/>
-                  </a:spcAft>
-                </a:pPr>
-                <a:r>
-                  <a:rPr lang="en-US" sz="1600" dirty="0">
-                    <a:solidFill>
-                      <a:schemeClr val="bg1"/>
-                    </a:solidFill>
-                  </a:rPr>
-                  <a:t>A </a:t>
-                </a:r>
-                <a:r>
-                  <a:rPr lang="en-US" sz="1600" dirty="0" err="1">
-                    <a:solidFill>
-                      <a:srgbClr val="F2E8CF"/>
-                    </a:solidFill>
-                    <a:latin typeface="Cascadia Mono Light" panose="020B0609020000020004" pitchFamily="49" charset="0"/>
-                    <a:cs typeface="Cascadia Mono Light" panose="020B0609020000020004" pitchFamily="49" charset="0"/>
-                  </a:rPr>
-                  <a:t>one_for_one</a:t>
-                </a:r>
-                <a:r>
-                  <a:rPr lang="en-US" sz="1600" dirty="0">
-                    <a:solidFill>
-                      <a:srgbClr val="F2E8CF"/>
-                    </a:solidFill>
-                    <a:latin typeface="Cascadia Mono Light" panose="020B0609020000020004" pitchFamily="49" charset="0"/>
-                    <a:cs typeface="Cascadia Mono Light" panose="020B0609020000020004" pitchFamily="49" charset="0"/>
-                  </a:rPr>
-                  <a:t> </a:t>
-                </a:r>
-                <a:r>
-                  <a:rPr lang="en-US" sz="1600" dirty="0">
-                    <a:solidFill>
-                      <a:schemeClr val="bg1"/>
-                    </a:solidFill>
-                  </a:rPr>
-                  <a:t>strategy auto-restarts failed processes.</a:t>
-                </a:r>
-              </a:p>
-            </p:txBody>
-          </p:sp>
-        </p:grpSp>
-        <p:grpSp>
-          <p:nvGrpSpPr>
-            <p:cNvPr id="17" name="Gruppo 16">
-              <a:extLst>
-                <a:ext uri="{FF2B5EF4-FFF2-40B4-BE49-F238E27FC236}">
-                  <a16:creationId xmlns:a16="http://schemas.microsoft.com/office/drawing/2014/main" id="{CA4837A4-22E1-16FD-15A7-A3D2B5AB2BE7}"/>
-                </a:ext>
-              </a:extLst>
-            </p:cNvPr>
-            <p:cNvGrpSpPr/>
-            <p:nvPr/>
-          </p:nvGrpSpPr>
-          <p:grpSpPr>
-            <a:xfrm>
-              <a:off x="6972884" y="1415140"/>
-              <a:ext cx="3953756" cy="2395526"/>
-              <a:chOff x="6972884" y="1504787"/>
-              <a:chExt cx="3953756" cy="2395526"/>
-            </a:xfrm>
-          </p:grpSpPr>
-          <p:sp>
-            <p:nvSpPr>
-              <p:cNvPr id="7" name="CasellaDiTesto 6">
-                <a:extLst>
-                  <a:ext uri="{FF2B5EF4-FFF2-40B4-BE49-F238E27FC236}">
-                    <a16:creationId xmlns:a16="http://schemas.microsoft.com/office/drawing/2014/main" id="{1DC40D0A-9F16-6339-25EB-3AC7775A376D}"/>
-                  </a:ext>
-                </a:extLst>
-              </p:cNvPr>
-              <p:cNvSpPr txBox="1"/>
-              <p:nvPr/>
-            </p:nvSpPr>
-            <p:spPr>
-              <a:xfrm>
-                <a:off x="7162230" y="1504787"/>
-                <a:ext cx="3575064" cy="584775"/>
-              </a:xfrm>
-              <a:prstGeom prst="rect">
-                <a:avLst/>
-              </a:prstGeom>
-              <a:noFill/>
-            </p:spPr>
-            <p:txBody>
-              <a:bodyPr wrap="square">
-                <a:spAutoFit/>
-              </a:bodyPr>
-              <a:lstStyle/>
-              <a:p>
-                <a:pPr algn="ctr"/>
-                <a:r>
-                  <a:rPr lang="en-US" sz="1600" b="1" spc="300" dirty="0">
-                    <a:solidFill>
-                      <a:schemeClr val="bg1"/>
-                    </a:solidFill>
-                  </a:rPr>
-                  <a:t>COORDINATOR PROCESS RECOVERY</a:t>
-                </a:r>
-                <a:endParaRPr lang="it-IT" sz="1600" spc="300" dirty="0">
-                  <a:solidFill>
-                    <a:schemeClr val="bg1"/>
-                  </a:solidFill>
-                </a:endParaRPr>
-              </a:p>
-            </p:txBody>
-          </p:sp>
-          <p:sp>
-            <p:nvSpPr>
-              <p:cNvPr id="9" name="CasellaDiTesto 8">
-                <a:extLst>
-                  <a:ext uri="{FF2B5EF4-FFF2-40B4-BE49-F238E27FC236}">
-                    <a16:creationId xmlns:a16="http://schemas.microsoft.com/office/drawing/2014/main" id="{C815BBF4-FC64-98CE-AC24-4F457B8F8A19}"/>
-                  </a:ext>
-                </a:extLst>
-              </p:cNvPr>
-              <p:cNvSpPr txBox="1"/>
-              <p:nvPr/>
-            </p:nvSpPr>
-            <p:spPr>
-              <a:xfrm>
-                <a:off x="6972884" y="2125468"/>
-                <a:ext cx="3953756" cy="1774845"/>
-              </a:xfrm>
-              <a:prstGeom prst="rect">
-                <a:avLst/>
-              </a:prstGeom>
-              <a:noFill/>
-            </p:spPr>
-            <p:txBody>
-              <a:bodyPr wrap="square" rtlCol="0">
-                <a:spAutoFit/>
-              </a:bodyPr>
-              <a:lstStyle/>
-              <a:p>
-                <a:pPr marL="285750" indent="-285750" algn="just">
-                  <a:spcAft>
-                    <a:spcPts val="800"/>
-                  </a:spcAft>
-                  <a:buFont typeface="Arial" panose="020B0604020202020204" pitchFamily="34" charset="0"/>
-                  <a:buChar char="•"/>
-                </a:pPr>
-                <a:r>
-                  <a:rPr lang="en-US" sz="1600" dirty="0">
-                    <a:solidFill>
-                      <a:schemeClr val="bg1"/>
-                    </a:solidFill>
-                  </a:rPr>
-                  <a:t>In </a:t>
-                </a:r>
-                <a:r>
-                  <a:rPr lang="en-US" sz="1600" dirty="0" err="1">
-                    <a:solidFill>
-                      <a:srgbClr val="F2E8CF"/>
-                    </a:solidFill>
-                    <a:latin typeface="Cascadia Mono Light" panose="020B0609020000020004" pitchFamily="49" charset="0"/>
-                    <a:cs typeface="Cascadia Mono Light" panose="020B0609020000020004" pitchFamily="49" charset="0"/>
-                  </a:rPr>
-                  <a:t>init</a:t>
-                </a:r>
-                <a:r>
-                  <a:rPr lang="en-US" sz="1600" dirty="0">
-                    <a:solidFill>
-                      <a:schemeClr val="bg1"/>
-                    </a:solidFill>
-                  </a:rPr>
-                  <a:t>, retrieve stored deadlines via the Storage Module.</a:t>
-                </a:r>
-              </a:p>
-              <a:p>
-                <a:pPr marL="285750" indent="-285750" algn="just">
-                  <a:spcAft>
-                    <a:spcPts val="800"/>
-                  </a:spcAft>
-                  <a:buFont typeface="Arial" panose="020B0604020202020204" pitchFamily="34" charset="0"/>
-                  <a:buChar char="•"/>
-                </a:pPr>
-                <a:r>
-                  <a:rPr lang="en-US" sz="1600" dirty="0">
-                    <a:solidFill>
-                      <a:schemeClr val="bg1"/>
-                    </a:solidFill>
-                  </a:rPr>
-                  <a:t>Reschedule expiration events using </a:t>
-                </a:r>
-                <a:r>
-                  <a:rPr lang="en-US" sz="1600" dirty="0" err="1">
-                    <a:solidFill>
-                      <a:srgbClr val="F2E8CF"/>
-                    </a:solidFill>
-                    <a:latin typeface="Cascadia Mono Light" panose="020B0609020000020004" pitchFamily="49" charset="0"/>
-                    <a:cs typeface="Cascadia Mono Light" panose="020B0609020000020004" pitchFamily="49" charset="0"/>
-                  </a:rPr>
-                  <a:t>send_after</a:t>
-                </a:r>
-                <a:r>
-                  <a:rPr lang="en-US" sz="1600" dirty="0">
-                    <a:solidFill>
-                      <a:schemeClr val="bg1"/>
-                    </a:solidFill>
-                  </a:rPr>
-                  <a:t>.</a:t>
-                </a:r>
-              </a:p>
-              <a:p>
-                <a:pPr marL="285750" indent="-285750" algn="just">
-                  <a:spcAft>
-                    <a:spcPts val="800"/>
-                  </a:spcAft>
-                  <a:buFont typeface="Arial" panose="020B0604020202020204" pitchFamily="34" charset="0"/>
-                  <a:buChar char="•"/>
-                </a:pPr>
-                <a:r>
-                  <a:rPr lang="en-US" sz="1600" dirty="0">
-                    <a:solidFill>
-                      <a:schemeClr val="bg1"/>
-                    </a:solidFill>
-                  </a:rPr>
-                  <a:t>If deadlines are marked </a:t>
-                </a:r>
-                <a:r>
-                  <a:rPr lang="en-US" sz="1600" dirty="0">
-                    <a:solidFill>
-                      <a:srgbClr val="F2E8CF"/>
-                    </a:solidFill>
-                    <a:latin typeface="Cascadia Mono Light" panose="020B0609020000020004" pitchFamily="49" charset="0"/>
-                    <a:cs typeface="Cascadia Mono Light" panose="020B0609020000020004" pitchFamily="49" charset="0"/>
-                  </a:rPr>
-                  <a:t>expired</a:t>
-                </a:r>
-                <a:r>
-                  <a:rPr lang="en-US" sz="1600" dirty="0">
-                    <a:solidFill>
-                      <a:schemeClr val="bg1"/>
-                    </a:solidFill>
-                  </a:rPr>
-                  <a:t> (from other nodes), skip final scheduling.</a:t>
-                </a:r>
-              </a:p>
-            </p:txBody>
-          </p:sp>
-        </p:grpSp>
-      </p:grpSp>
       <p:sp>
         <p:nvSpPr>
           <p:cNvPr id="10" name="CasellaDiTesto 9">
             <a:extLst>
               <a:ext uri="{FF2B5EF4-FFF2-40B4-BE49-F238E27FC236}">
-                <a16:creationId xmlns:a16="http://schemas.microsoft.com/office/drawing/2014/main" id="{0CA1B311-42AE-44E3-A73D-6514EA877281}"/>
+                <a16:creationId xmlns:a16="http://schemas.microsoft.com/office/drawing/2014/main" id="{82C92031-CA1B-6631-8BCB-0D366AE49C2B}"/>
               </a:ext>
             </a:extLst>
           </p:cNvPr>
@@ -17918,7 +17720,7 @@
         </p:nvSpPr>
         <p:spPr>
           <a:xfrm>
-            <a:off x="4358579" y="4920675"/>
+            <a:off x="4358579" y="5189618"/>
             <a:ext cx="1837947" cy="369332"/>
           </a:xfrm>
           <a:prstGeom prst="rect">
@@ -17953,7 +17755,7 @@
           <p:cNvPr id="11" name="Connettore a gomito 25">
             <a:extLst>
               <a:ext uri="{FF2B5EF4-FFF2-40B4-BE49-F238E27FC236}">
-                <a16:creationId xmlns:a16="http://schemas.microsoft.com/office/drawing/2014/main" id="{6AE95BD7-4CBD-2668-69D7-4D87526A1F6A}"/>
+                <a16:creationId xmlns:a16="http://schemas.microsoft.com/office/drawing/2014/main" id="{8340BB7C-2EF1-68B9-607E-15C7FEA2F00F}"/>
               </a:ext>
             </a:extLst>
           </p:cNvPr>
@@ -17964,7 +17766,7 @@
         </p:nvCxnSpPr>
         <p:spPr>
           <a:xfrm>
-            <a:off x="0" y="5105341"/>
+            <a:off x="0" y="5374284"/>
             <a:ext cx="4311650" cy="0"/>
           </a:xfrm>
           <a:prstGeom prst="straightConnector1">
@@ -17992,10 +17794,515 @@
           </a:fontRef>
         </p:style>
       </p:cxnSp>
+      <p:grpSp>
+        <p:nvGrpSpPr>
+          <p:cNvPr id="16" name="Gruppo 15">
+            <a:extLst>
+              <a:ext uri="{FF2B5EF4-FFF2-40B4-BE49-F238E27FC236}">
+                <a16:creationId xmlns:a16="http://schemas.microsoft.com/office/drawing/2014/main" id="{FA4F698D-6E05-6927-1574-41F4A035B1CE}"/>
+              </a:ext>
+            </a:extLst>
+          </p:cNvPr>
+          <p:cNvGrpSpPr/>
+          <p:nvPr/>
+        </p:nvGrpSpPr>
+        <p:grpSpPr>
+          <a:xfrm>
+            <a:off x="1253618" y="2336782"/>
+            <a:ext cx="3588765" cy="1201000"/>
+            <a:chOff x="1177706" y="2269523"/>
+            <a:chExt cx="3588765" cy="1201000"/>
+          </a:xfrm>
+        </p:grpSpPr>
+        <p:sp>
+          <p:nvSpPr>
+            <p:cNvPr id="5" name="CasellaDiTesto 4">
+              <a:extLst>
+                <a:ext uri="{FF2B5EF4-FFF2-40B4-BE49-F238E27FC236}">
+                  <a16:creationId xmlns:a16="http://schemas.microsoft.com/office/drawing/2014/main" id="{1ADAAC4D-EC43-598B-F452-4774F562BAC7}"/>
+                </a:ext>
+              </a:extLst>
+            </p:cNvPr>
+            <p:cNvSpPr txBox="1"/>
+            <p:nvPr/>
+          </p:nvSpPr>
+          <p:spPr>
+            <a:xfrm>
+              <a:off x="1215600" y="2269523"/>
+              <a:ext cx="3512976" cy="461665"/>
+            </a:xfrm>
+            <a:prstGeom prst="rect">
+              <a:avLst/>
+            </a:prstGeom>
+            <a:noFill/>
+          </p:spPr>
+          <p:txBody>
+            <a:bodyPr wrap="square">
+              <a:spAutoFit/>
+            </a:bodyPr>
+            <a:lstStyle/>
+            <a:p>
+              <a:pPr algn="ctr"/>
+              <a:r>
+                <a:rPr lang="en-US" sz="2400" b="1" spc="300" dirty="0">
+                  <a:solidFill>
+                    <a:schemeClr val="bg1"/>
+                  </a:solidFill>
+                </a:rPr>
+                <a:t>OTP SUPERVISION</a:t>
+              </a:r>
+              <a:endParaRPr lang="it-IT" sz="2400" spc="300" dirty="0">
+                <a:solidFill>
+                  <a:schemeClr val="bg1"/>
+                </a:solidFill>
+              </a:endParaRPr>
+            </a:p>
+          </p:txBody>
+        </p:sp>
+        <p:sp>
+          <p:nvSpPr>
+            <p:cNvPr id="6" name="CasellaDiTesto 5">
+              <a:extLst>
+                <a:ext uri="{FF2B5EF4-FFF2-40B4-BE49-F238E27FC236}">
+                  <a16:creationId xmlns:a16="http://schemas.microsoft.com/office/drawing/2014/main" id="{BBE47635-F7F6-C491-860E-6CA2513DA7BA}"/>
+                </a:ext>
+              </a:extLst>
+            </p:cNvPr>
+            <p:cNvSpPr txBox="1"/>
+            <p:nvPr/>
+          </p:nvSpPr>
+          <p:spPr>
+            <a:xfrm>
+              <a:off x="1177706" y="2762637"/>
+              <a:ext cx="3588765" cy="707886"/>
+            </a:xfrm>
+            <a:prstGeom prst="rect">
+              <a:avLst/>
+            </a:prstGeom>
+            <a:noFill/>
+          </p:spPr>
+          <p:txBody>
+            <a:bodyPr wrap="square" rtlCol="0">
+              <a:spAutoFit/>
+            </a:bodyPr>
+            <a:lstStyle/>
+            <a:p>
+              <a:pPr algn="ctr">
+                <a:spcAft>
+                  <a:spcPts val="500"/>
+                </a:spcAft>
+              </a:pPr>
+              <a:r>
+                <a:rPr lang="en-US" sz="2000" dirty="0">
+                  <a:solidFill>
+                    <a:schemeClr val="bg1"/>
+                  </a:solidFill>
+                </a:rPr>
+                <a:t>A </a:t>
+              </a:r>
+              <a:r>
+                <a:rPr lang="en-US" sz="2000" dirty="0" err="1">
+                  <a:solidFill>
+                    <a:srgbClr val="F2E8CF"/>
+                  </a:solidFill>
+                  <a:latin typeface="Cascadia Mono Light" panose="020B0609020000020004" pitchFamily="49" charset="0"/>
+                  <a:cs typeface="Cascadia Mono Light" panose="020B0609020000020004" pitchFamily="49" charset="0"/>
+                </a:rPr>
+                <a:t>one_for_one</a:t>
+              </a:r>
+              <a:r>
+                <a:rPr lang="en-US" sz="2000" dirty="0">
+                  <a:solidFill>
+                    <a:srgbClr val="F2E8CF"/>
+                  </a:solidFill>
+                  <a:latin typeface="Cascadia Mono Light" panose="020B0609020000020004" pitchFamily="49" charset="0"/>
+                  <a:cs typeface="Cascadia Mono Light" panose="020B0609020000020004" pitchFamily="49" charset="0"/>
+                </a:rPr>
+                <a:t> </a:t>
+              </a:r>
+              <a:r>
+                <a:rPr lang="en-US" sz="2000" dirty="0">
+                  <a:solidFill>
+                    <a:schemeClr val="bg1"/>
+                  </a:solidFill>
+                </a:rPr>
+                <a:t>strategy auto-restarts failed processes.</a:t>
+              </a:r>
+            </a:p>
+          </p:txBody>
+        </p:sp>
+      </p:grpSp>
+      <p:grpSp>
+        <p:nvGrpSpPr>
+          <p:cNvPr id="15" name="Gruppo 14">
+            <a:extLst>
+              <a:ext uri="{FF2B5EF4-FFF2-40B4-BE49-F238E27FC236}">
+                <a16:creationId xmlns:a16="http://schemas.microsoft.com/office/drawing/2014/main" id="{84D8639F-B666-0C78-F2F7-52E1E0FE3A8B}"/>
+              </a:ext>
+            </a:extLst>
+          </p:cNvPr>
+          <p:cNvGrpSpPr/>
+          <p:nvPr/>
+        </p:nvGrpSpPr>
+        <p:grpSpPr>
+          <a:xfrm>
+            <a:off x="7005103" y="1440979"/>
+            <a:ext cx="4277795" cy="3387061"/>
+            <a:chOff x="6901192" y="1264025"/>
+            <a:chExt cx="4277795" cy="3387061"/>
+          </a:xfrm>
+        </p:grpSpPr>
+        <p:grpSp>
+          <p:nvGrpSpPr>
+            <p:cNvPr id="14" name="Gruppo 13">
+              <a:extLst>
+                <a:ext uri="{FF2B5EF4-FFF2-40B4-BE49-F238E27FC236}">
+                  <a16:creationId xmlns:a16="http://schemas.microsoft.com/office/drawing/2014/main" id="{8C9B48C3-735D-9EE6-8FFF-DFE133CB2861}"/>
+                </a:ext>
+              </a:extLst>
+            </p:cNvPr>
+            <p:cNvGrpSpPr/>
+            <p:nvPr/>
+          </p:nvGrpSpPr>
+          <p:grpSpPr>
+            <a:xfrm>
+              <a:off x="6901192" y="1264025"/>
+              <a:ext cx="4277795" cy="2980316"/>
+              <a:chOff x="6901192" y="1264025"/>
+              <a:chExt cx="4277795" cy="2980316"/>
+            </a:xfrm>
+          </p:grpSpPr>
+          <p:grpSp>
+            <p:nvGrpSpPr>
+              <p:cNvPr id="17" name="Gruppo 16">
+                <a:extLst>
+                  <a:ext uri="{FF2B5EF4-FFF2-40B4-BE49-F238E27FC236}">
+                    <a16:creationId xmlns:a16="http://schemas.microsoft.com/office/drawing/2014/main" id="{6B5F43C0-ECEB-DCB6-34FA-6AD701BA7E37}"/>
+                  </a:ext>
+                </a:extLst>
+              </p:cNvPr>
+              <p:cNvGrpSpPr/>
+              <p:nvPr/>
+            </p:nvGrpSpPr>
+            <p:grpSpPr>
+              <a:xfrm>
+                <a:off x="7157884" y="1509509"/>
+                <a:ext cx="3764410" cy="2489349"/>
+                <a:chOff x="6972884" y="1504787"/>
+                <a:chExt cx="3764410" cy="2489349"/>
+              </a:xfrm>
+            </p:grpSpPr>
+            <p:sp>
+              <p:nvSpPr>
+                <p:cNvPr id="7" name="CasellaDiTesto 6">
+                  <a:extLst>
+                    <a:ext uri="{FF2B5EF4-FFF2-40B4-BE49-F238E27FC236}">
+                      <a16:creationId xmlns:a16="http://schemas.microsoft.com/office/drawing/2014/main" id="{7E300EFD-5249-8033-8BAF-33795732F5E7}"/>
+                    </a:ext>
+                  </a:extLst>
+                </p:cNvPr>
+                <p:cNvSpPr txBox="1"/>
+                <p:nvPr/>
+              </p:nvSpPr>
+              <p:spPr>
+                <a:xfrm>
+                  <a:off x="7067557" y="1504787"/>
+                  <a:ext cx="3575064" cy="338554"/>
+                </a:xfrm>
+                <a:prstGeom prst="rect">
+                  <a:avLst/>
+                </a:prstGeom>
+                <a:noFill/>
+              </p:spPr>
+              <p:txBody>
+                <a:bodyPr wrap="square">
+                  <a:spAutoFit/>
+                </a:bodyPr>
+                <a:lstStyle/>
+                <a:p>
+                  <a:pPr algn="ctr"/>
+                  <a:r>
+                    <a:rPr lang="en-US" sz="1600" b="1" spc="300" dirty="0">
+                      <a:solidFill>
+                        <a:schemeClr val="bg1"/>
+                      </a:solidFill>
+                    </a:rPr>
+                    <a:t>COORDINATOR PROCESS</a:t>
+                  </a:r>
+                  <a:endParaRPr lang="it-IT" sz="1600" spc="300" dirty="0">
+                    <a:solidFill>
+                      <a:schemeClr val="bg1"/>
+                    </a:solidFill>
+                  </a:endParaRPr>
+                </a:p>
+              </p:txBody>
+            </p:sp>
+            <p:sp>
+              <p:nvSpPr>
+                <p:cNvPr id="9" name="CasellaDiTesto 8">
+                  <a:extLst>
+                    <a:ext uri="{FF2B5EF4-FFF2-40B4-BE49-F238E27FC236}">
+                      <a16:creationId xmlns:a16="http://schemas.microsoft.com/office/drawing/2014/main" id="{591C0D91-2DE2-23D4-7E8B-9A73D1A2A750}"/>
+                    </a:ext>
+                  </a:extLst>
+                </p:cNvPr>
+                <p:cNvSpPr txBox="1"/>
+                <p:nvPr/>
+              </p:nvSpPr>
+              <p:spPr>
+                <a:xfrm>
+                  <a:off x="6972884" y="1973070"/>
+                  <a:ext cx="3764410" cy="2021066"/>
+                </a:xfrm>
+                <a:prstGeom prst="rect">
+                  <a:avLst/>
+                </a:prstGeom>
+                <a:noFill/>
+              </p:spPr>
+              <p:txBody>
+                <a:bodyPr wrap="square" rtlCol="0">
+                  <a:spAutoFit/>
+                </a:bodyPr>
+                <a:lstStyle/>
+                <a:p>
+                  <a:pPr marL="285750" indent="-285750" algn="just">
+                    <a:spcAft>
+                      <a:spcPts val="800"/>
+                    </a:spcAft>
+                    <a:buFont typeface="Arial" panose="020B0604020202020204" pitchFamily="34" charset="0"/>
+                    <a:buChar char="•"/>
+                  </a:pPr>
+                  <a:r>
+                    <a:rPr lang="en-US" sz="1600" dirty="0">
+                      <a:solidFill>
+                        <a:schemeClr val="bg1"/>
+                      </a:solidFill>
+                    </a:rPr>
+                    <a:t>In </a:t>
+                  </a:r>
+                  <a:r>
+                    <a:rPr lang="en-US" sz="1600" dirty="0" err="1">
+                      <a:solidFill>
+                        <a:srgbClr val="F2E8CF"/>
+                      </a:solidFill>
+                      <a:latin typeface="Cascadia Mono Light" panose="020B0609020000020004" pitchFamily="49" charset="0"/>
+                      <a:cs typeface="Cascadia Mono Light" panose="020B0609020000020004" pitchFamily="49" charset="0"/>
+                    </a:rPr>
+                    <a:t>init</a:t>
+                  </a:r>
+                  <a:r>
+                    <a:rPr lang="en-US" sz="1600" dirty="0">
+                      <a:solidFill>
+                        <a:schemeClr val="bg1"/>
+                      </a:solidFill>
+                    </a:rPr>
+                    <a:t>, retrieve stored deadlines via the </a:t>
+                  </a:r>
+                  <a:r>
+                    <a:rPr lang="en-US" sz="1600" dirty="0">
+                      <a:solidFill>
+                        <a:srgbClr val="F2E8CF"/>
+                      </a:solidFill>
+                      <a:latin typeface="Cascadia Mono Light" panose="020B0609020000020004" pitchFamily="49" charset="0"/>
+                      <a:cs typeface="Cascadia Mono Light" panose="020B0609020000020004" pitchFamily="49" charset="0"/>
+                    </a:rPr>
+                    <a:t>storage</a:t>
+                  </a:r>
+                  <a:r>
+                    <a:rPr lang="en-US" sz="1600" dirty="0">
+                      <a:solidFill>
+                        <a:schemeClr val="bg1"/>
+                      </a:solidFill>
+                    </a:rPr>
+                    <a:t> Module.</a:t>
+                  </a:r>
+                </a:p>
+                <a:p>
+                  <a:pPr marL="285750" indent="-285750" algn="just">
+                    <a:spcAft>
+                      <a:spcPts val="800"/>
+                    </a:spcAft>
+                    <a:buFont typeface="Arial" panose="020B0604020202020204" pitchFamily="34" charset="0"/>
+                    <a:buChar char="•"/>
+                  </a:pPr>
+                  <a:r>
+                    <a:rPr lang="en-US" sz="1600" dirty="0">
+                      <a:solidFill>
+                        <a:schemeClr val="bg1"/>
+                      </a:solidFill>
+                    </a:rPr>
+                    <a:t>Reschedule expiration events using </a:t>
+                  </a:r>
+                  <a:r>
+                    <a:rPr lang="en-US" sz="1600" dirty="0" err="1">
+                      <a:solidFill>
+                        <a:srgbClr val="F2E8CF"/>
+                      </a:solidFill>
+                      <a:latin typeface="Cascadia Mono Light" panose="020B0609020000020004" pitchFamily="49" charset="0"/>
+                      <a:cs typeface="Cascadia Mono Light" panose="020B0609020000020004" pitchFamily="49" charset="0"/>
+                    </a:rPr>
+                    <a:t>send_after</a:t>
+                  </a:r>
+                  <a:r>
+                    <a:rPr lang="en-US" sz="1600" dirty="0">
+                      <a:solidFill>
+                        <a:schemeClr val="bg1"/>
+                      </a:solidFill>
+                    </a:rPr>
+                    <a:t>.</a:t>
+                  </a:r>
+                </a:p>
+                <a:p>
+                  <a:pPr marL="285750" indent="-285750" algn="just">
+                    <a:spcAft>
+                      <a:spcPts val="800"/>
+                    </a:spcAft>
+                    <a:buFont typeface="Arial" panose="020B0604020202020204" pitchFamily="34" charset="0"/>
+                    <a:buChar char="•"/>
+                  </a:pPr>
+                  <a:r>
+                    <a:rPr lang="en-US" sz="1600" dirty="0">
+                      <a:solidFill>
+                        <a:schemeClr val="bg1"/>
+                      </a:solidFill>
+                    </a:rPr>
+                    <a:t>At the event deadline, if partial solutions from other nodes are </a:t>
+                  </a:r>
+                  <a:r>
+                    <a:rPr lang="en-US" sz="1600" dirty="0">
+                      <a:solidFill>
+                        <a:srgbClr val="F2E8CF"/>
+                      </a:solidFill>
+                      <a:latin typeface="Cascadia Mono Light" panose="020B0609020000020004" pitchFamily="49" charset="0"/>
+                      <a:cs typeface="Cascadia Mono Light" panose="020B0609020000020004" pitchFamily="49" charset="0"/>
+                    </a:rPr>
+                    <a:t>expired</a:t>
+                  </a:r>
+                  <a:r>
+                    <a:rPr lang="en-US" sz="1600" dirty="0">
+                      <a:solidFill>
+                        <a:schemeClr val="bg1"/>
+                      </a:solidFill>
+                    </a:rPr>
+                    <a:t>, skip final computation.</a:t>
+                  </a:r>
+                </a:p>
+              </p:txBody>
+            </p:sp>
+          </p:grpSp>
+          <p:sp>
+            <p:nvSpPr>
+              <p:cNvPr id="2" name="Rettangolo con angoli arrotondati 1">
+                <a:extLst>
+                  <a:ext uri="{FF2B5EF4-FFF2-40B4-BE49-F238E27FC236}">
+                    <a16:creationId xmlns:a16="http://schemas.microsoft.com/office/drawing/2014/main" id="{2B4AFF78-1926-71B2-FC87-6DC5DB6F14FD}"/>
+                  </a:ext>
+                </a:extLst>
+              </p:cNvPr>
+              <p:cNvSpPr/>
+              <p:nvPr/>
+            </p:nvSpPr>
+            <p:spPr>
+              <a:xfrm>
+                <a:off x="6901192" y="1264025"/>
+                <a:ext cx="4277795" cy="2980316"/>
+              </a:xfrm>
+              <a:prstGeom prst="roundRect">
+                <a:avLst>
+                  <a:gd name="adj" fmla="val 6099"/>
+                </a:avLst>
+              </a:prstGeom>
+              <a:noFill/>
+              <a:ln w="38100">
+                <a:solidFill>
+                  <a:srgbClr val="F2E8CF"/>
+                </a:solidFill>
+              </a:ln>
+            </p:spPr>
+            <p:style>
+              <a:lnRef idx="2">
+                <a:schemeClr val="accent1">
+                  <a:shade val="15000"/>
+                </a:schemeClr>
+              </a:lnRef>
+              <a:fillRef idx="1">
+                <a:schemeClr val="accent1"/>
+              </a:fillRef>
+              <a:effectRef idx="0">
+                <a:schemeClr val="accent1"/>
+              </a:effectRef>
+              <a:fontRef idx="minor">
+                <a:schemeClr val="lt1"/>
+              </a:fontRef>
+            </p:style>
+            <p:txBody>
+              <a:bodyPr rtlCol="0" anchor="ctr"/>
+              <a:lstStyle/>
+              <a:p>
+                <a:pPr algn="ctr"/>
+                <a:endParaRPr lang="it-IT" dirty="0"/>
+              </a:p>
+            </p:txBody>
+          </p:sp>
+        </p:grpSp>
+        <p:sp>
+          <p:nvSpPr>
+            <p:cNvPr id="13" name="CasellaDiTesto 12">
+              <a:extLst>
+                <a:ext uri="{FF2B5EF4-FFF2-40B4-BE49-F238E27FC236}">
+                  <a16:creationId xmlns:a16="http://schemas.microsoft.com/office/drawing/2014/main" id="{0071E336-E4D9-D016-30CF-5C7497524F7C}"/>
+                </a:ext>
+              </a:extLst>
+            </p:cNvPr>
+            <p:cNvSpPr txBox="1"/>
+            <p:nvPr/>
+          </p:nvSpPr>
+          <p:spPr>
+            <a:xfrm>
+              <a:off x="7504633" y="4327921"/>
+              <a:ext cx="3070913" cy="323165"/>
+            </a:xfrm>
+            <a:prstGeom prst="rect">
+              <a:avLst/>
+            </a:prstGeom>
+            <a:noFill/>
+          </p:spPr>
+          <p:txBody>
+            <a:bodyPr wrap="square">
+              <a:spAutoFit/>
+            </a:bodyPr>
+            <a:lstStyle/>
+            <a:p>
+              <a:pPr algn="ctr"/>
+              <a:r>
+                <a:rPr lang="en-US" sz="1500" b="1" spc="300" dirty="0">
+                  <a:solidFill>
+                    <a:srgbClr val="F2E8CF"/>
+                  </a:solidFill>
+                </a:rPr>
+                <a:t>CRITICAL</a:t>
+              </a:r>
+              <a:r>
+                <a:rPr lang="en-US" sz="1500" spc="300" dirty="0">
+                  <a:solidFill>
+                    <a:srgbClr val="F2E8CF"/>
+                  </a:solidFill>
+                </a:rPr>
+                <a:t> RECOVERY</a:t>
+              </a:r>
+              <a:endParaRPr lang="it-IT" sz="1500" spc="300" dirty="0">
+                <a:solidFill>
+                  <a:srgbClr val="F2E8CF"/>
+                </a:solidFill>
+              </a:endParaRPr>
+            </a:p>
+          </p:txBody>
+        </p:sp>
+      </p:grpSp>
     </p:spTree>
     <p:extLst>
       <p:ext uri="{BB962C8B-B14F-4D97-AF65-F5344CB8AC3E}">
-        <p14:creationId xmlns:p14="http://schemas.microsoft.com/office/powerpoint/2010/main" val="373257996"/>
+        <p14:creationId xmlns:p14="http://schemas.microsoft.com/office/powerpoint/2010/main" val="1725572353"/>
       </p:ext>
     </p:extLst>
   </p:cSld>
@@ -28456,7 +28763,15 @@
                   <a:srgbClr val="F2E8CF"/>
                 </a:solidFill>
               </a:rPr>
-              <a:t>ARCHITECTURE OVERVIEW</a:t>
+              <a:t>ARCHITECTURE </a:t>
+            </a:r>
+            <a:r>
+              <a:rPr lang="en-US" sz="2000" spc="300" dirty="0">
+                <a:solidFill>
+                  <a:srgbClr val="F2E8CF"/>
+                </a:solidFill>
+              </a:rPr>
+              <a:t>OVERVIEW</a:t>
             </a:r>
           </a:p>
         </p:txBody>
